--- a/Notatka/Rys/PowerPoint/okna.pptx
+++ b/Notatka/Rys/PowerPoint/okna.pptx
@@ -246,7 +246,7 @@
           <a:p>
             <a:fld id="{4FC90E99-0A52-469C-A87C-8419BD2702CB}" type="datetimeFigureOut">
               <a:rPr lang="pl-PL" smtClean="0"/>
-              <a:t>2019-06-07</a:t>
+              <a:t>2019-06-12</a:t>
             </a:fld>
             <a:endParaRPr lang="pl-PL"/>
           </a:p>
@@ -416,7 +416,7 @@
           <a:p>
             <a:fld id="{4FC90E99-0A52-469C-A87C-8419BD2702CB}" type="datetimeFigureOut">
               <a:rPr lang="pl-PL" smtClean="0"/>
-              <a:t>2019-06-07</a:t>
+              <a:t>2019-06-12</a:t>
             </a:fld>
             <a:endParaRPr lang="pl-PL"/>
           </a:p>
@@ -596,7 +596,7 @@
           <a:p>
             <a:fld id="{4FC90E99-0A52-469C-A87C-8419BD2702CB}" type="datetimeFigureOut">
               <a:rPr lang="pl-PL" smtClean="0"/>
-              <a:t>2019-06-07</a:t>
+              <a:t>2019-06-12</a:t>
             </a:fld>
             <a:endParaRPr lang="pl-PL"/>
           </a:p>
@@ -766,7 +766,7 @@
           <a:p>
             <a:fld id="{4FC90E99-0A52-469C-A87C-8419BD2702CB}" type="datetimeFigureOut">
               <a:rPr lang="pl-PL" smtClean="0"/>
-              <a:t>2019-06-07</a:t>
+              <a:t>2019-06-12</a:t>
             </a:fld>
             <a:endParaRPr lang="pl-PL"/>
           </a:p>
@@ -1012,7 +1012,7 @@
           <a:p>
             <a:fld id="{4FC90E99-0A52-469C-A87C-8419BD2702CB}" type="datetimeFigureOut">
               <a:rPr lang="pl-PL" smtClean="0"/>
-              <a:t>2019-06-07</a:t>
+              <a:t>2019-06-12</a:t>
             </a:fld>
             <a:endParaRPr lang="pl-PL"/>
           </a:p>
@@ -1244,7 +1244,7 @@
           <a:p>
             <a:fld id="{4FC90E99-0A52-469C-A87C-8419BD2702CB}" type="datetimeFigureOut">
               <a:rPr lang="pl-PL" smtClean="0"/>
-              <a:t>2019-06-07</a:t>
+              <a:t>2019-06-12</a:t>
             </a:fld>
             <a:endParaRPr lang="pl-PL"/>
           </a:p>
@@ -1611,7 +1611,7 @@
           <a:p>
             <a:fld id="{4FC90E99-0A52-469C-A87C-8419BD2702CB}" type="datetimeFigureOut">
               <a:rPr lang="pl-PL" smtClean="0"/>
-              <a:t>2019-06-07</a:t>
+              <a:t>2019-06-12</a:t>
             </a:fld>
             <a:endParaRPr lang="pl-PL"/>
           </a:p>
@@ -1729,7 +1729,7 @@
           <a:p>
             <a:fld id="{4FC90E99-0A52-469C-A87C-8419BD2702CB}" type="datetimeFigureOut">
               <a:rPr lang="pl-PL" smtClean="0"/>
-              <a:t>2019-06-07</a:t>
+              <a:t>2019-06-12</a:t>
             </a:fld>
             <a:endParaRPr lang="pl-PL"/>
           </a:p>
@@ -1824,7 +1824,7 @@
           <a:p>
             <a:fld id="{4FC90E99-0A52-469C-A87C-8419BD2702CB}" type="datetimeFigureOut">
               <a:rPr lang="pl-PL" smtClean="0"/>
-              <a:t>2019-06-07</a:t>
+              <a:t>2019-06-12</a:t>
             </a:fld>
             <a:endParaRPr lang="pl-PL"/>
           </a:p>
@@ -2101,7 +2101,7 @@
           <a:p>
             <a:fld id="{4FC90E99-0A52-469C-A87C-8419BD2702CB}" type="datetimeFigureOut">
               <a:rPr lang="pl-PL" smtClean="0"/>
-              <a:t>2019-06-07</a:t>
+              <a:t>2019-06-12</a:t>
             </a:fld>
             <a:endParaRPr lang="pl-PL"/>
           </a:p>
@@ -2354,7 +2354,7 @@
           <a:p>
             <a:fld id="{4FC90E99-0A52-469C-A87C-8419BD2702CB}" type="datetimeFigureOut">
               <a:rPr lang="pl-PL" smtClean="0"/>
-              <a:t>2019-06-07</a:t>
+              <a:t>2019-06-12</a:t>
             </a:fld>
             <a:endParaRPr lang="pl-PL"/>
           </a:p>
@@ -2567,7 +2567,7 @@
           <a:p>
             <a:fld id="{4FC90E99-0A52-469C-A87C-8419BD2702CB}" type="datetimeFigureOut">
               <a:rPr lang="pl-PL" smtClean="0"/>
-              <a:t>2019-06-07</a:t>
+              <a:t>2019-06-12</a:t>
             </a:fld>
             <a:endParaRPr lang="pl-PL"/>
           </a:p>
@@ -2972,54 +2972,6 @@
           <a:chExt cx="0" cy="0"/>
         </a:xfrm>
       </p:grpSpPr>
-      <p:pic>
-        <p:nvPicPr>
-          <p:cNvPr id="5" name="Obraz 4"/>
-          <p:cNvPicPr>
-            <a:picLocks noChangeAspect="1"/>
-          </p:cNvPicPr>
-          <p:nvPr/>
-        </p:nvPicPr>
-        <p:blipFill>
-          <a:blip r:embed="rId2"/>
-          <a:stretch>
-            <a:fillRect/>
-          </a:stretch>
-        </p:blipFill>
-        <p:spPr>
-          <a:xfrm>
-            <a:off x="2253177" y="123439"/>
-            <a:ext cx="7191375" cy="3019425"/>
-          </a:xfrm>
-          <a:prstGeom prst="rect">
-            <a:avLst/>
-          </a:prstGeom>
-        </p:spPr>
-      </p:pic>
-      <p:pic>
-        <p:nvPicPr>
-          <p:cNvPr id="6" name="Obraz 5"/>
-          <p:cNvPicPr>
-            <a:picLocks noChangeAspect="1"/>
-          </p:cNvPicPr>
-          <p:nvPr/>
-        </p:nvPicPr>
-        <p:blipFill>
-          <a:blip r:embed="rId3"/>
-          <a:stretch>
-            <a:fillRect/>
-          </a:stretch>
-        </p:blipFill>
-        <p:spPr>
-          <a:xfrm>
-            <a:off x="2253177" y="3490398"/>
-            <a:ext cx="7239000" cy="3067050"/>
-          </a:xfrm>
-          <a:prstGeom prst="rect">
-            <a:avLst/>
-          </a:prstGeom>
-        </p:spPr>
-      </p:pic>
       <p:sp>
         <p:nvSpPr>
           <p:cNvPr id="7" name="pole tekstowe 6"/>
@@ -3028,7 +2980,7 @@
         </p:nvSpPr>
         <p:spPr>
           <a:xfrm>
-            <a:off x="5173362" y="2958198"/>
+            <a:off x="6081412" y="3072712"/>
             <a:ext cx="2627870" cy="338554"/>
           </a:xfrm>
           <a:prstGeom prst="rect">
@@ -3058,7 +3010,7 @@
         </p:nvSpPr>
         <p:spPr>
           <a:xfrm>
-            <a:off x="5152768" y="6381576"/>
+            <a:off x="6081412" y="6400108"/>
             <a:ext cx="2627870" cy="338554"/>
           </a:xfrm>
           <a:prstGeom prst="rect">
@@ -3200,6 +3152,54 @@
           </a:p>
         </p:txBody>
       </p:sp>
+      <p:pic>
+        <p:nvPicPr>
+          <p:cNvPr id="2" name="Obraz 1"/>
+          <p:cNvPicPr>
+            <a:picLocks noChangeAspect="1"/>
+          </p:cNvPicPr>
+          <p:nvPr/>
+        </p:nvPicPr>
+        <p:blipFill>
+          <a:blip r:embed="rId2"/>
+          <a:stretch>
+            <a:fillRect/>
+          </a:stretch>
+        </p:blipFill>
+        <p:spPr>
+          <a:xfrm>
+            <a:off x="2237789" y="164699"/>
+            <a:ext cx="8934258" cy="2908013"/>
+          </a:xfrm>
+          <a:prstGeom prst="rect">
+            <a:avLst/>
+          </a:prstGeom>
+        </p:spPr>
+      </p:pic>
+      <p:pic>
+        <p:nvPicPr>
+          <p:cNvPr id="3" name="Obraz 2"/>
+          <p:cNvPicPr>
+            <a:picLocks noChangeAspect="1"/>
+          </p:cNvPicPr>
+          <p:nvPr/>
+        </p:nvPicPr>
+        <p:blipFill>
+          <a:blip r:embed="rId3"/>
+          <a:stretch>
+            <a:fillRect/>
+          </a:stretch>
+        </p:blipFill>
+        <p:spPr>
+          <a:xfrm>
+            <a:off x="2237789" y="3490398"/>
+            <a:ext cx="9027111" cy="2909710"/>
+          </a:xfrm>
+          <a:prstGeom prst="rect">
+            <a:avLst/>
+          </a:prstGeom>
+        </p:spPr>
+      </p:pic>
     </p:spTree>
     <p:extLst>
       <p:ext uri="{BB962C8B-B14F-4D97-AF65-F5344CB8AC3E}">
